--- a/Soumalya_Final_Capstone_Presentation.pptx
+++ b/Soumalya_Final_Capstone_Presentation.pptx
@@ -20,7 +20,8 @@
     <p:sldId id="267" r:id="rId14"/>
     <p:sldId id="268" r:id="rId15"/>
     <p:sldId id="269" r:id="rId16"/>
-    <p:sldId id="270" r:id="rId17"/>
+    <p:sldId id="272" r:id="rId17"/>
+    <p:sldId id="270" r:id="rId18"/>
   </p:sldIdLst>
   <p:sldSz cx="12192000" cy="6858000"/>
   <p:notesSz cx="6858000" cy="9144000"/>
@@ -129,6 +130,46 @@
 
 <file path=ppt/changesInfos/changesInfo1.xml><?xml version="1.0" encoding="utf-8"?>
 <pc:chgInfo xmlns:a="http://schemas.openxmlformats.org/drawingml/2006/main" xmlns:r="http://schemas.openxmlformats.org/officeDocument/2006/relationships" xmlns:ac="http://schemas.microsoft.com/office/drawing/2013/main/command" xmlns:pc="http://schemas.microsoft.com/office/powerpoint/2013/main/command">
+  <pc:docChgLst>
+    <pc:chgData name="Soumalya Das" userId="6621d522d6c24929" providerId="LiveId" clId="{0FA61962-CB32-40DE-B59C-20AF0299A159}"/>
+    <pc:docChg chg="addSld modSld">
+      <pc:chgData name="Soumalya Das" userId="6621d522d6c24929" providerId="LiveId" clId="{0FA61962-CB32-40DE-B59C-20AF0299A159}" dt="2025-09-08T08:48:27.768" v="24" actId="14100"/>
+      <pc:docMkLst>
+        <pc:docMk/>
+      </pc:docMkLst>
+      <pc:sldChg chg="addSp delSp modSp new mod">
+        <pc:chgData name="Soumalya Das" userId="6621d522d6c24929" providerId="LiveId" clId="{0FA61962-CB32-40DE-B59C-20AF0299A159}" dt="2025-09-08T08:48:27.768" v="24" actId="14100"/>
+        <pc:sldMkLst>
+          <pc:docMk/>
+          <pc:sldMk cId="1285432843" sldId="272"/>
+        </pc:sldMkLst>
+        <pc:spChg chg="mod">
+          <ac:chgData name="Soumalya Das" userId="6621d522d6c24929" providerId="LiveId" clId="{0FA61962-CB32-40DE-B59C-20AF0299A159}" dt="2025-09-08T08:48:09.155" v="21" actId="14100"/>
+          <ac:spMkLst>
+            <pc:docMk/>
+            <pc:sldMk cId="1285432843" sldId="272"/>
+            <ac:spMk id="2" creationId="{47AB0C2C-F575-EFBC-7F56-A443233703FF}"/>
+          </ac:spMkLst>
+        </pc:spChg>
+        <pc:spChg chg="del">
+          <ac:chgData name="Soumalya Das" userId="6621d522d6c24929" providerId="LiveId" clId="{0FA61962-CB32-40DE-B59C-20AF0299A159}" dt="2025-09-08T08:47:42.531" v="16" actId="22"/>
+          <ac:spMkLst>
+            <pc:docMk/>
+            <pc:sldMk cId="1285432843" sldId="272"/>
+            <ac:spMk id="3" creationId="{C8B3B64B-101D-3F9B-8253-24B67408FC3C}"/>
+          </ac:spMkLst>
+        </pc:spChg>
+        <pc:picChg chg="add mod ord">
+          <ac:chgData name="Soumalya Das" userId="6621d522d6c24929" providerId="LiveId" clId="{0FA61962-CB32-40DE-B59C-20AF0299A159}" dt="2025-09-08T08:48:27.768" v="24" actId="14100"/>
+          <ac:picMkLst>
+            <pc:docMk/>
+            <pc:sldMk cId="1285432843" sldId="272"/>
+            <ac:picMk id="5" creationId="{7A59DBD8-7BF4-8E4F-4D9D-F4F14B7B103A}"/>
+          </ac:picMkLst>
+        </pc:picChg>
+      </pc:sldChg>
+    </pc:docChg>
+  </pc:docChgLst>
   <pc:docChgLst>
     <pc:chgData name="Soumalya Das" userId="6621d522d6c24929" providerId="LiveId" clId="{DBED8817-C734-49AD-BCC9-FBB59D5D2DC7}"/>
     <pc:docChg chg="modSld">
@@ -5043,6 +5084,101 @@
           <p:cNvPr id="2" name="Title 1">
             <a:extLst>
               <a:ext uri="{FF2B5EF4-FFF2-40B4-BE49-F238E27FC236}">
+                <a16:creationId xmlns:a16="http://schemas.microsoft.com/office/drawing/2014/main" id="{47AB0C2C-F575-EFBC-7F56-A443233703FF}"/>
+              </a:ext>
+            </a:extLst>
+          </p:cNvPr>
+          <p:cNvSpPr>
+            <a:spLocks noGrp="1"/>
+          </p:cNvSpPr>
+          <p:nvPr>
+            <p:ph type="title"/>
+          </p:nvPr>
+        </p:nvSpPr>
+        <p:spPr>
+          <a:xfrm>
+            <a:off x="1066800" y="642594"/>
+            <a:ext cx="10058400" cy="955547"/>
+          </a:xfrm>
+        </p:spPr>
+        <p:txBody>
+          <a:bodyPr/>
+          <a:lstStyle/>
+          <a:p>
+            <a:r>
+              <a:rPr lang="en-US" dirty="0"/>
+              <a:t>Build Success</a:t>
+            </a:r>
+          </a:p>
+        </p:txBody>
+      </p:sp>
+      <p:pic>
+        <p:nvPicPr>
+          <p:cNvPr id="5" name="Content Placeholder 4">
+            <a:extLst>
+              <a:ext uri="{FF2B5EF4-FFF2-40B4-BE49-F238E27FC236}">
+                <a16:creationId xmlns:a16="http://schemas.microsoft.com/office/drawing/2014/main" id="{7A59DBD8-7BF4-8E4F-4D9D-F4F14B7B103A}"/>
+              </a:ext>
+            </a:extLst>
+          </p:cNvPr>
+          <p:cNvPicPr>
+            <a:picLocks noGrp="1" noChangeAspect="1"/>
+          </p:cNvPicPr>
+          <p:nvPr>
+            <p:ph idx="1"/>
+          </p:nvPr>
+        </p:nvPicPr>
+        <p:blipFill>
+          <a:blip r:embed="rId2"/>
+          <a:stretch>
+            <a:fillRect/>
+          </a:stretch>
+        </p:blipFill>
+        <p:spPr>
+          <a:xfrm>
+            <a:off x="1400431" y="1746422"/>
+            <a:ext cx="8913341" cy="4572000"/>
+          </a:xfrm>
+          <a:prstGeom prst="rect">
+            <a:avLst/>
+          </a:prstGeom>
+        </p:spPr>
+      </p:pic>
+    </p:spTree>
+    <p:extLst>
+      <p:ext uri="{BB962C8B-B14F-4D97-AF65-F5344CB8AC3E}">
+        <p14:creationId xmlns:p14="http://schemas.microsoft.com/office/powerpoint/2010/main" val="1285432843"/>
+      </p:ext>
+    </p:extLst>
+  </p:cSld>
+  <p:clrMapOvr>
+    <a:masterClrMapping/>
+  </p:clrMapOvr>
+</p:sld>
+</file>
+
+<file path=ppt/slides/slide17.xml><?xml version="1.0" encoding="utf-8"?>
+<p:sld xmlns:a="http://schemas.openxmlformats.org/drawingml/2006/main" xmlns:r="http://schemas.openxmlformats.org/officeDocument/2006/relationships" xmlns:p="http://schemas.openxmlformats.org/presentationml/2006/main">
+  <p:cSld>
+    <p:spTree>
+      <p:nvGrpSpPr>
+        <p:cNvPr id="1" name=""/>
+        <p:cNvGrpSpPr/>
+        <p:nvPr/>
+      </p:nvGrpSpPr>
+      <p:grpSpPr>
+        <a:xfrm>
+          <a:off x="0" y="0"/>
+          <a:ext cx="0" cy="0"/>
+          <a:chOff x="0" y="0"/>
+          <a:chExt cx="0" cy="0"/>
+        </a:xfrm>
+      </p:grpSpPr>
+      <p:sp>
+        <p:nvSpPr>
+          <p:cNvPr id="2" name="Title 1">
+            <a:extLst>
+              <a:ext uri="{FF2B5EF4-FFF2-40B4-BE49-F238E27FC236}">
                 <a16:creationId xmlns:a16="http://schemas.microsoft.com/office/drawing/2014/main" id="{9E41CD5D-1858-2934-B320-DCB4CA82D13B}"/>
               </a:ext>
             </a:extLst>
